--- a/ppt 16-9/1462.耶稣元帅.pptx
+++ b/ppt 16-9/1462.耶稣元帅.pptx
@@ -5,7 +5,7 @@
     <p:sldMasterId id="2147483648" r:id="rId1"/>
   </p:sldMasterIdLst>
   <p:sldIdLst>
-    <p:sldId id="1033" r:id="rId2"/>
+    <p:sldId id="1034" r:id="rId2"/>
   </p:sldIdLst>
   <p:sldSz cx="12192000" cy="6858000"/>
   <p:notesSz cx="6858000" cy="9144000"/>
@@ -129,7 +129,7 @@
           <p:cNvPr id="2" name="标题 1">
             <a:extLst>
               <a:ext uri="{FF2B5EF4-FFF2-40B4-BE49-F238E27FC236}">
-                <a16:creationId xmlns:a16="http://schemas.microsoft.com/office/drawing/2014/main" id="{AA30C262-4DFF-72D8-DC1B-800373797387}"/>
+                <a16:creationId xmlns:a16="http://schemas.microsoft.com/office/drawing/2014/main" id="{E9468632-B8C8-1B75-7370-C249A8AA2DAB}"/>
               </a:ext>
             </a:extLst>
           </p:cNvPr>
@@ -166,7 +166,7 @@
           <p:cNvPr id="3" name="副标题 2">
             <a:extLst>
               <a:ext uri="{FF2B5EF4-FFF2-40B4-BE49-F238E27FC236}">
-                <a16:creationId xmlns:a16="http://schemas.microsoft.com/office/drawing/2014/main" id="{5556BB5E-4682-91D6-6D43-C20D226BA4EC}"/>
+                <a16:creationId xmlns:a16="http://schemas.microsoft.com/office/drawing/2014/main" id="{D1306991-E9BE-6ED6-09FD-5CEE639113C5}"/>
               </a:ext>
             </a:extLst>
           </p:cNvPr>
@@ -236,7 +236,7 @@
           <p:cNvPr id="4" name="日期占位符 3">
             <a:extLst>
               <a:ext uri="{FF2B5EF4-FFF2-40B4-BE49-F238E27FC236}">
-                <a16:creationId xmlns:a16="http://schemas.microsoft.com/office/drawing/2014/main" id="{48D1A322-7D7B-526A-D8D9-0719D7505844}"/>
+                <a16:creationId xmlns:a16="http://schemas.microsoft.com/office/drawing/2014/main" id="{F0583823-0AFD-4019-75CF-9513F2CB3123}"/>
               </a:ext>
             </a:extLst>
           </p:cNvPr>
@@ -252,7 +252,7 @@
           <a:bodyPr/>
           <a:lstStyle/>
           <a:p>
-            <a:fld id="{01814D3E-B6E7-4F64-BD97-55C61DC18AFB}" type="datetimeFigureOut">
+            <a:fld id="{AC602071-64AD-4FA0-9E29-B791BB95654D}" type="datetimeFigureOut">
               <a:rPr lang="zh-CN" altLang="en-US" smtClean="0"/>
               <a:t>2024/3/10</a:t>
             </a:fld>
@@ -265,7 +265,7 @@
           <p:cNvPr id="5" name="页脚占位符 4">
             <a:extLst>
               <a:ext uri="{FF2B5EF4-FFF2-40B4-BE49-F238E27FC236}">
-                <a16:creationId xmlns:a16="http://schemas.microsoft.com/office/drawing/2014/main" id="{E7DFA0B8-0B19-6359-971F-E8E4C32C7313}"/>
+                <a16:creationId xmlns:a16="http://schemas.microsoft.com/office/drawing/2014/main" id="{DAA291E2-8CF6-C982-077D-01484BCC26FC}"/>
               </a:ext>
             </a:extLst>
           </p:cNvPr>
@@ -290,7 +290,7 @@
           <p:cNvPr id="6" name="灯片编号占位符 5">
             <a:extLst>
               <a:ext uri="{FF2B5EF4-FFF2-40B4-BE49-F238E27FC236}">
-                <a16:creationId xmlns:a16="http://schemas.microsoft.com/office/drawing/2014/main" id="{9A3A4B2C-311B-01FF-1C16-49F2654EA59C}"/>
+                <a16:creationId xmlns:a16="http://schemas.microsoft.com/office/drawing/2014/main" id="{1B677402-A9F4-1FEE-9632-A2152344083A}"/>
               </a:ext>
             </a:extLst>
           </p:cNvPr>
@@ -306,7 +306,7 @@
           <a:bodyPr/>
           <a:lstStyle/>
           <a:p>
-            <a:fld id="{BD7D6AF4-1AF1-46A1-AAD6-38DD923C3C11}" type="slidenum">
+            <a:fld id="{10614D74-8F0B-4BD3-8B18-97674D2360FA}" type="slidenum">
               <a:rPr lang="zh-CN" altLang="en-US" smtClean="0"/>
               <a:t>‹#›</a:t>
             </a:fld>
@@ -317,7 +317,7 @@
     </p:spTree>
     <p:extLst>
       <p:ext uri="{BB962C8B-B14F-4D97-AF65-F5344CB8AC3E}">
-        <p14:creationId xmlns:p14="http://schemas.microsoft.com/office/powerpoint/2010/main" val="3966865175"/>
+        <p14:creationId xmlns:p14="http://schemas.microsoft.com/office/powerpoint/2010/main" val="1082478500"/>
       </p:ext>
     </p:extLst>
   </p:cSld>
@@ -349,7 +349,7 @@
           <p:cNvPr id="2" name="标题 1">
             <a:extLst>
               <a:ext uri="{FF2B5EF4-FFF2-40B4-BE49-F238E27FC236}">
-                <a16:creationId xmlns:a16="http://schemas.microsoft.com/office/drawing/2014/main" id="{7639E63D-624F-B043-11D8-96274F9C5C1F}"/>
+                <a16:creationId xmlns:a16="http://schemas.microsoft.com/office/drawing/2014/main" id="{E75DF5DF-D828-0EE0-5966-B4BDD17342A7}"/>
               </a:ext>
             </a:extLst>
           </p:cNvPr>
@@ -377,7 +377,7 @@
           <p:cNvPr id="3" name="竖排文字占位符 2">
             <a:extLst>
               <a:ext uri="{FF2B5EF4-FFF2-40B4-BE49-F238E27FC236}">
-                <a16:creationId xmlns:a16="http://schemas.microsoft.com/office/drawing/2014/main" id="{390793AF-733E-6DA0-D4D8-9F9BDCCA5CA6}"/>
+                <a16:creationId xmlns:a16="http://schemas.microsoft.com/office/drawing/2014/main" id="{30FC62BA-AAF4-61FB-338D-57BDA5E6FB27}"/>
               </a:ext>
             </a:extLst>
           </p:cNvPr>
@@ -434,7 +434,7 @@
           <p:cNvPr id="4" name="日期占位符 3">
             <a:extLst>
               <a:ext uri="{FF2B5EF4-FFF2-40B4-BE49-F238E27FC236}">
-                <a16:creationId xmlns:a16="http://schemas.microsoft.com/office/drawing/2014/main" id="{D5AB609B-8B21-2059-55F6-6518092B7A7F}"/>
+                <a16:creationId xmlns:a16="http://schemas.microsoft.com/office/drawing/2014/main" id="{7C97FB78-F82C-3B03-0C63-898BC68664F5}"/>
               </a:ext>
             </a:extLst>
           </p:cNvPr>
@@ -450,7 +450,7 @@
           <a:bodyPr/>
           <a:lstStyle/>
           <a:p>
-            <a:fld id="{01814D3E-B6E7-4F64-BD97-55C61DC18AFB}" type="datetimeFigureOut">
+            <a:fld id="{AC602071-64AD-4FA0-9E29-B791BB95654D}" type="datetimeFigureOut">
               <a:rPr lang="zh-CN" altLang="en-US" smtClean="0"/>
               <a:t>2024/3/10</a:t>
             </a:fld>
@@ -463,7 +463,7 @@
           <p:cNvPr id="5" name="页脚占位符 4">
             <a:extLst>
               <a:ext uri="{FF2B5EF4-FFF2-40B4-BE49-F238E27FC236}">
-                <a16:creationId xmlns:a16="http://schemas.microsoft.com/office/drawing/2014/main" id="{74075440-C0D9-A212-BDBC-B97D7BA5F9CD}"/>
+                <a16:creationId xmlns:a16="http://schemas.microsoft.com/office/drawing/2014/main" id="{05513652-47A9-1751-0FFA-CB381E8EDDE6}"/>
               </a:ext>
             </a:extLst>
           </p:cNvPr>
@@ -488,7 +488,7 @@
           <p:cNvPr id="6" name="灯片编号占位符 5">
             <a:extLst>
               <a:ext uri="{FF2B5EF4-FFF2-40B4-BE49-F238E27FC236}">
-                <a16:creationId xmlns:a16="http://schemas.microsoft.com/office/drawing/2014/main" id="{2511D9B2-0277-8E48-9C08-F9551C404FF5}"/>
+                <a16:creationId xmlns:a16="http://schemas.microsoft.com/office/drawing/2014/main" id="{D59C675A-2C77-913A-184E-757196ECF93E}"/>
               </a:ext>
             </a:extLst>
           </p:cNvPr>
@@ -504,7 +504,7 @@
           <a:bodyPr/>
           <a:lstStyle/>
           <a:p>
-            <a:fld id="{BD7D6AF4-1AF1-46A1-AAD6-38DD923C3C11}" type="slidenum">
+            <a:fld id="{10614D74-8F0B-4BD3-8B18-97674D2360FA}" type="slidenum">
               <a:rPr lang="zh-CN" altLang="en-US" smtClean="0"/>
               <a:t>‹#›</a:t>
             </a:fld>
@@ -515,7 +515,7 @@
     </p:spTree>
     <p:extLst>
       <p:ext uri="{BB962C8B-B14F-4D97-AF65-F5344CB8AC3E}">
-        <p14:creationId xmlns:p14="http://schemas.microsoft.com/office/powerpoint/2010/main" val="3381556727"/>
+        <p14:creationId xmlns:p14="http://schemas.microsoft.com/office/powerpoint/2010/main" val="4240132035"/>
       </p:ext>
     </p:extLst>
   </p:cSld>
@@ -547,7 +547,7 @@
           <p:cNvPr id="2" name="竖排标题 1">
             <a:extLst>
               <a:ext uri="{FF2B5EF4-FFF2-40B4-BE49-F238E27FC236}">
-                <a16:creationId xmlns:a16="http://schemas.microsoft.com/office/drawing/2014/main" id="{B5CAC3EE-C102-6730-4D97-A51E178C4089}"/>
+                <a16:creationId xmlns:a16="http://schemas.microsoft.com/office/drawing/2014/main" id="{C526572A-683A-7374-8C26-29B703A6B205}"/>
               </a:ext>
             </a:extLst>
           </p:cNvPr>
@@ -580,7 +580,7 @@
           <p:cNvPr id="3" name="竖排文字占位符 2">
             <a:extLst>
               <a:ext uri="{FF2B5EF4-FFF2-40B4-BE49-F238E27FC236}">
-                <a16:creationId xmlns:a16="http://schemas.microsoft.com/office/drawing/2014/main" id="{6A3A05BF-6F39-00E7-3B2F-F1FA1F0E90CE}"/>
+                <a16:creationId xmlns:a16="http://schemas.microsoft.com/office/drawing/2014/main" id="{D7A63DBD-BD2D-35F9-617B-C349B5FD83F8}"/>
               </a:ext>
             </a:extLst>
           </p:cNvPr>
@@ -642,7 +642,7 @@
           <p:cNvPr id="4" name="日期占位符 3">
             <a:extLst>
               <a:ext uri="{FF2B5EF4-FFF2-40B4-BE49-F238E27FC236}">
-                <a16:creationId xmlns:a16="http://schemas.microsoft.com/office/drawing/2014/main" id="{271390D9-9E0E-161A-D62B-1695A4EDFF70}"/>
+                <a16:creationId xmlns:a16="http://schemas.microsoft.com/office/drawing/2014/main" id="{C93FCF3C-5313-CFD3-E4CF-026803F44283}"/>
               </a:ext>
             </a:extLst>
           </p:cNvPr>
@@ -658,7 +658,7 @@
           <a:bodyPr/>
           <a:lstStyle/>
           <a:p>
-            <a:fld id="{01814D3E-B6E7-4F64-BD97-55C61DC18AFB}" type="datetimeFigureOut">
+            <a:fld id="{AC602071-64AD-4FA0-9E29-B791BB95654D}" type="datetimeFigureOut">
               <a:rPr lang="zh-CN" altLang="en-US" smtClean="0"/>
               <a:t>2024/3/10</a:t>
             </a:fld>
@@ -671,7 +671,7 @@
           <p:cNvPr id="5" name="页脚占位符 4">
             <a:extLst>
               <a:ext uri="{FF2B5EF4-FFF2-40B4-BE49-F238E27FC236}">
-                <a16:creationId xmlns:a16="http://schemas.microsoft.com/office/drawing/2014/main" id="{2E4E3F67-0A86-E37F-64BE-5BB67FD16A1B}"/>
+                <a16:creationId xmlns:a16="http://schemas.microsoft.com/office/drawing/2014/main" id="{C6CCD150-F41C-B26E-006D-833570A5011C}"/>
               </a:ext>
             </a:extLst>
           </p:cNvPr>
@@ -696,7 +696,7 @@
           <p:cNvPr id="6" name="灯片编号占位符 5">
             <a:extLst>
               <a:ext uri="{FF2B5EF4-FFF2-40B4-BE49-F238E27FC236}">
-                <a16:creationId xmlns:a16="http://schemas.microsoft.com/office/drawing/2014/main" id="{DECB62CE-75A5-8517-5F65-524E5D23CA62}"/>
+                <a16:creationId xmlns:a16="http://schemas.microsoft.com/office/drawing/2014/main" id="{151F8ECD-F4CA-819E-8923-6CBC72B3B049}"/>
               </a:ext>
             </a:extLst>
           </p:cNvPr>
@@ -712,7 +712,7 @@
           <a:bodyPr/>
           <a:lstStyle/>
           <a:p>
-            <a:fld id="{BD7D6AF4-1AF1-46A1-AAD6-38DD923C3C11}" type="slidenum">
+            <a:fld id="{10614D74-8F0B-4BD3-8B18-97674D2360FA}" type="slidenum">
               <a:rPr lang="zh-CN" altLang="en-US" smtClean="0"/>
               <a:t>‹#›</a:t>
             </a:fld>
@@ -723,7 +723,7 @@
     </p:spTree>
     <p:extLst>
       <p:ext uri="{BB962C8B-B14F-4D97-AF65-F5344CB8AC3E}">
-        <p14:creationId xmlns:p14="http://schemas.microsoft.com/office/powerpoint/2010/main" val="4043591677"/>
+        <p14:creationId xmlns:p14="http://schemas.microsoft.com/office/powerpoint/2010/main" val="324650229"/>
       </p:ext>
     </p:extLst>
   </p:cSld>
@@ -755,7 +755,7 @@
           <p:cNvPr id="2" name="标题 1">
             <a:extLst>
               <a:ext uri="{FF2B5EF4-FFF2-40B4-BE49-F238E27FC236}">
-                <a16:creationId xmlns:a16="http://schemas.microsoft.com/office/drawing/2014/main" id="{EE2927F2-7013-0479-4F4D-F6136220B314}"/>
+                <a16:creationId xmlns:a16="http://schemas.microsoft.com/office/drawing/2014/main" id="{492394E8-1465-009C-E534-D4B22950F9E7}"/>
               </a:ext>
             </a:extLst>
           </p:cNvPr>
@@ -783,7 +783,7 @@
           <p:cNvPr id="3" name="内容占位符 2">
             <a:extLst>
               <a:ext uri="{FF2B5EF4-FFF2-40B4-BE49-F238E27FC236}">
-                <a16:creationId xmlns:a16="http://schemas.microsoft.com/office/drawing/2014/main" id="{90E8E0A8-F855-A8AB-C357-3155B678BB8B}"/>
+                <a16:creationId xmlns:a16="http://schemas.microsoft.com/office/drawing/2014/main" id="{00351227-7FED-38E6-FE9E-C85A6458BA58}"/>
               </a:ext>
             </a:extLst>
           </p:cNvPr>
@@ -840,7 +840,7 @@
           <p:cNvPr id="4" name="日期占位符 3">
             <a:extLst>
               <a:ext uri="{FF2B5EF4-FFF2-40B4-BE49-F238E27FC236}">
-                <a16:creationId xmlns:a16="http://schemas.microsoft.com/office/drawing/2014/main" id="{FB197D2D-A55D-8D28-400F-40D182599183}"/>
+                <a16:creationId xmlns:a16="http://schemas.microsoft.com/office/drawing/2014/main" id="{485E7055-214D-0F35-C6FD-F92423F5E79F}"/>
               </a:ext>
             </a:extLst>
           </p:cNvPr>
@@ -856,7 +856,7 @@
           <a:bodyPr/>
           <a:lstStyle/>
           <a:p>
-            <a:fld id="{01814D3E-B6E7-4F64-BD97-55C61DC18AFB}" type="datetimeFigureOut">
+            <a:fld id="{AC602071-64AD-4FA0-9E29-B791BB95654D}" type="datetimeFigureOut">
               <a:rPr lang="zh-CN" altLang="en-US" smtClean="0"/>
               <a:t>2024/3/10</a:t>
             </a:fld>
@@ -869,7 +869,7 @@
           <p:cNvPr id="5" name="页脚占位符 4">
             <a:extLst>
               <a:ext uri="{FF2B5EF4-FFF2-40B4-BE49-F238E27FC236}">
-                <a16:creationId xmlns:a16="http://schemas.microsoft.com/office/drawing/2014/main" id="{BDFB677C-D620-2881-ED04-C89A93B0E6BE}"/>
+                <a16:creationId xmlns:a16="http://schemas.microsoft.com/office/drawing/2014/main" id="{61C4FB5C-77B5-707A-A829-9B0E257F90AA}"/>
               </a:ext>
             </a:extLst>
           </p:cNvPr>
@@ -894,7 +894,7 @@
           <p:cNvPr id="6" name="灯片编号占位符 5">
             <a:extLst>
               <a:ext uri="{FF2B5EF4-FFF2-40B4-BE49-F238E27FC236}">
-                <a16:creationId xmlns:a16="http://schemas.microsoft.com/office/drawing/2014/main" id="{1B2AAD89-60FE-4009-6D5C-81D876139EC8}"/>
+                <a16:creationId xmlns:a16="http://schemas.microsoft.com/office/drawing/2014/main" id="{2FAEE5FE-85F0-7A2E-8812-13DE66F2314D}"/>
               </a:ext>
             </a:extLst>
           </p:cNvPr>
@@ -910,7 +910,7 @@
           <a:bodyPr/>
           <a:lstStyle/>
           <a:p>
-            <a:fld id="{BD7D6AF4-1AF1-46A1-AAD6-38DD923C3C11}" type="slidenum">
+            <a:fld id="{10614D74-8F0B-4BD3-8B18-97674D2360FA}" type="slidenum">
               <a:rPr lang="zh-CN" altLang="en-US" smtClean="0"/>
               <a:t>‹#›</a:t>
             </a:fld>
@@ -921,7 +921,7 @@
     </p:spTree>
     <p:extLst>
       <p:ext uri="{BB962C8B-B14F-4D97-AF65-F5344CB8AC3E}">
-        <p14:creationId xmlns:p14="http://schemas.microsoft.com/office/powerpoint/2010/main" val="2485571724"/>
+        <p14:creationId xmlns:p14="http://schemas.microsoft.com/office/powerpoint/2010/main" val="3863601415"/>
       </p:ext>
     </p:extLst>
   </p:cSld>
@@ -953,7 +953,7 @@
           <p:cNvPr id="2" name="标题 1">
             <a:extLst>
               <a:ext uri="{FF2B5EF4-FFF2-40B4-BE49-F238E27FC236}">
-                <a16:creationId xmlns:a16="http://schemas.microsoft.com/office/drawing/2014/main" id="{C652FF28-BB65-2628-E02D-1DE0B5C4BC91}"/>
+                <a16:creationId xmlns:a16="http://schemas.microsoft.com/office/drawing/2014/main" id="{029E7551-0CE4-E974-BB18-F2B7E60601C2}"/>
               </a:ext>
             </a:extLst>
           </p:cNvPr>
@@ -990,7 +990,7 @@
           <p:cNvPr id="3" name="文本占位符 2">
             <a:extLst>
               <a:ext uri="{FF2B5EF4-FFF2-40B4-BE49-F238E27FC236}">
-                <a16:creationId xmlns:a16="http://schemas.microsoft.com/office/drawing/2014/main" id="{7CCBCADF-A462-4CE5-E55A-0E4DCFEA287E}"/>
+                <a16:creationId xmlns:a16="http://schemas.microsoft.com/office/drawing/2014/main" id="{33140B81-DB51-C4F0-5671-B856A0D0332F}"/>
               </a:ext>
             </a:extLst>
           </p:cNvPr>
@@ -1115,7 +1115,7 @@
           <p:cNvPr id="4" name="日期占位符 3">
             <a:extLst>
               <a:ext uri="{FF2B5EF4-FFF2-40B4-BE49-F238E27FC236}">
-                <a16:creationId xmlns:a16="http://schemas.microsoft.com/office/drawing/2014/main" id="{D49E7FB9-6F27-B0E3-FC2C-824DE91D7111}"/>
+                <a16:creationId xmlns:a16="http://schemas.microsoft.com/office/drawing/2014/main" id="{FB69FC42-63B0-A7F0-4BC3-A3F02DDD476D}"/>
               </a:ext>
             </a:extLst>
           </p:cNvPr>
@@ -1131,7 +1131,7 @@
           <a:bodyPr/>
           <a:lstStyle/>
           <a:p>
-            <a:fld id="{01814D3E-B6E7-4F64-BD97-55C61DC18AFB}" type="datetimeFigureOut">
+            <a:fld id="{AC602071-64AD-4FA0-9E29-B791BB95654D}" type="datetimeFigureOut">
               <a:rPr lang="zh-CN" altLang="en-US" smtClean="0"/>
               <a:t>2024/3/10</a:t>
             </a:fld>
@@ -1144,7 +1144,7 @@
           <p:cNvPr id="5" name="页脚占位符 4">
             <a:extLst>
               <a:ext uri="{FF2B5EF4-FFF2-40B4-BE49-F238E27FC236}">
-                <a16:creationId xmlns:a16="http://schemas.microsoft.com/office/drawing/2014/main" id="{77C0759C-816F-36E1-D3B4-4984554FC253}"/>
+                <a16:creationId xmlns:a16="http://schemas.microsoft.com/office/drawing/2014/main" id="{5E86C18E-82C4-2646-D8AE-DD5E0DA1B934}"/>
               </a:ext>
             </a:extLst>
           </p:cNvPr>
@@ -1169,7 +1169,7 @@
           <p:cNvPr id="6" name="灯片编号占位符 5">
             <a:extLst>
               <a:ext uri="{FF2B5EF4-FFF2-40B4-BE49-F238E27FC236}">
-                <a16:creationId xmlns:a16="http://schemas.microsoft.com/office/drawing/2014/main" id="{E543B554-AEE0-AD7F-6AF3-7A7F7F61D4E0}"/>
+                <a16:creationId xmlns:a16="http://schemas.microsoft.com/office/drawing/2014/main" id="{346DF4A9-3EC2-D2D6-1948-A54C6F09916C}"/>
               </a:ext>
             </a:extLst>
           </p:cNvPr>
@@ -1185,7 +1185,7 @@
           <a:bodyPr/>
           <a:lstStyle/>
           <a:p>
-            <a:fld id="{BD7D6AF4-1AF1-46A1-AAD6-38DD923C3C11}" type="slidenum">
+            <a:fld id="{10614D74-8F0B-4BD3-8B18-97674D2360FA}" type="slidenum">
               <a:rPr lang="zh-CN" altLang="en-US" smtClean="0"/>
               <a:t>‹#›</a:t>
             </a:fld>
@@ -1196,7 +1196,7 @@
     </p:spTree>
     <p:extLst>
       <p:ext uri="{BB962C8B-B14F-4D97-AF65-F5344CB8AC3E}">
-        <p14:creationId xmlns:p14="http://schemas.microsoft.com/office/powerpoint/2010/main" val="750941023"/>
+        <p14:creationId xmlns:p14="http://schemas.microsoft.com/office/powerpoint/2010/main" val="2757339634"/>
       </p:ext>
     </p:extLst>
   </p:cSld>
@@ -1228,7 +1228,7 @@
           <p:cNvPr id="2" name="标题 1">
             <a:extLst>
               <a:ext uri="{FF2B5EF4-FFF2-40B4-BE49-F238E27FC236}">
-                <a16:creationId xmlns:a16="http://schemas.microsoft.com/office/drawing/2014/main" id="{B78D5284-A247-114E-BA37-9DAF874DC252}"/>
+                <a16:creationId xmlns:a16="http://schemas.microsoft.com/office/drawing/2014/main" id="{1FD8506C-4F5A-21F9-1873-642EAF400597}"/>
               </a:ext>
             </a:extLst>
           </p:cNvPr>
@@ -1256,7 +1256,7 @@
           <p:cNvPr id="3" name="内容占位符 2">
             <a:extLst>
               <a:ext uri="{FF2B5EF4-FFF2-40B4-BE49-F238E27FC236}">
-                <a16:creationId xmlns:a16="http://schemas.microsoft.com/office/drawing/2014/main" id="{5FBC88BD-B529-05AC-C227-44D4134A247C}"/>
+                <a16:creationId xmlns:a16="http://schemas.microsoft.com/office/drawing/2014/main" id="{C7349DB5-C00A-C391-F28F-C9FFA59B1306}"/>
               </a:ext>
             </a:extLst>
           </p:cNvPr>
@@ -1318,7 +1318,7 @@
           <p:cNvPr id="4" name="内容占位符 3">
             <a:extLst>
               <a:ext uri="{FF2B5EF4-FFF2-40B4-BE49-F238E27FC236}">
-                <a16:creationId xmlns:a16="http://schemas.microsoft.com/office/drawing/2014/main" id="{361E6B56-FD3B-8557-4366-D91E01F8A588}"/>
+                <a16:creationId xmlns:a16="http://schemas.microsoft.com/office/drawing/2014/main" id="{85922BAA-5F95-67F6-2514-731963D4E138}"/>
               </a:ext>
             </a:extLst>
           </p:cNvPr>
@@ -1380,7 +1380,7 @@
           <p:cNvPr id="5" name="日期占位符 4">
             <a:extLst>
               <a:ext uri="{FF2B5EF4-FFF2-40B4-BE49-F238E27FC236}">
-                <a16:creationId xmlns:a16="http://schemas.microsoft.com/office/drawing/2014/main" id="{27C4B5FB-1E22-3450-6349-2525D1DA1031}"/>
+                <a16:creationId xmlns:a16="http://schemas.microsoft.com/office/drawing/2014/main" id="{3D5BEBD0-2641-9DB6-36A0-B2F5C8CBD9C8}"/>
               </a:ext>
             </a:extLst>
           </p:cNvPr>
@@ -1396,7 +1396,7 @@
           <a:bodyPr/>
           <a:lstStyle/>
           <a:p>
-            <a:fld id="{01814D3E-B6E7-4F64-BD97-55C61DC18AFB}" type="datetimeFigureOut">
+            <a:fld id="{AC602071-64AD-4FA0-9E29-B791BB95654D}" type="datetimeFigureOut">
               <a:rPr lang="zh-CN" altLang="en-US" smtClean="0"/>
               <a:t>2024/3/10</a:t>
             </a:fld>
@@ -1409,7 +1409,7 @@
           <p:cNvPr id="6" name="页脚占位符 5">
             <a:extLst>
               <a:ext uri="{FF2B5EF4-FFF2-40B4-BE49-F238E27FC236}">
-                <a16:creationId xmlns:a16="http://schemas.microsoft.com/office/drawing/2014/main" id="{49DF143E-80CB-FE71-B547-ED8C80F2427F}"/>
+                <a16:creationId xmlns:a16="http://schemas.microsoft.com/office/drawing/2014/main" id="{E53F74FA-CC60-6D0D-423E-FE22ABE8F8C4}"/>
               </a:ext>
             </a:extLst>
           </p:cNvPr>
@@ -1434,7 +1434,7 @@
           <p:cNvPr id="7" name="灯片编号占位符 6">
             <a:extLst>
               <a:ext uri="{FF2B5EF4-FFF2-40B4-BE49-F238E27FC236}">
-                <a16:creationId xmlns:a16="http://schemas.microsoft.com/office/drawing/2014/main" id="{11DA6ED1-5E89-5BFE-E770-F95F3075AF55}"/>
+                <a16:creationId xmlns:a16="http://schemas.microsoft.com/office/drawing/2014/main" id="{A3EFE502-D57F-2203-B64F-B515E78F85EE}"/>
               </a:ext>
             </a:extLst>
           </p:cNvPr>
@@ -1450,7 +1450,7 @@
           <a:bodyPr/>
           <a:lstStyle/>
           <a:p>
-            <a:fld id="{BD7D6AF4-1AF1-46A1-AAD6-38DD923C3C11}" type="slidenum">
+            <a:fld id="{10614D74-8F0B-4BD3-8B18-97674D2360FA}" type="slidenum">
               <a:rPr lang="zh-CN" altLang="en-US" smtClean="0"/>
               <a:t>‹#›</a:t>
             </a:fld>
@@ -1461,7 +1461,7 @@
     </p:spTree>
     <p:extLst>
       <p:ext uri="{BB962C8B-B14F-4D97-AF65-F5344CB8AC3E}">
-        <p14:creationId xmlns:p14="http://schemas.microsoft.com/office/powerpoint/2010/main" val="658724624"/>
+        <p14:creationId xmlns:p14="http://schemas.microsoft.com/office/powerpoint/2010/main" val="2388500895"/>
       </p:ext>
     </p:extLst>
   </p:cSld>
@@ -1493,7 +1493,7 @@
           <p:cNvPr id="2" name="标题 1">
             <a:extLst>
               <a:ext uri="{FF2B5EF4-FFF2-40B4-BE49-F238E27FC236}">
-                <a16:creationId xmlns:a16="http://schemas.microsoft.com/office/drawing/2014/main" id="{160487BE-E890-A09B-4543-812C2D9BADF4}"/>
+                <a16:creationId xmlns:a16="http://schemas.microsoft.com/office/drawing/2014/main" id="{897073A7-3D33-B2D8-9EE8-C54619313888}"/>
               </a:ext>
             </a:extLst>
           </p:cNvPr>
@@ -1526,7 +1526,7 @@
           <p:cNvPr id="3" name="文本占位符 2">
             <a:extLst>
               <a:ext uri="{FF2B5EF4-FFF2-40B4-BE49-F238E27FC236}">
-                <a16:creationId xmlns:a16="http://schemas.microsoft.com/office/drawing/2014/main" id="{104AF864-E1EB-4A94-4BB6-19E5FAEE9FE8}"/>
+                <a16:creationId xmlns:a16="http://schemas.microsoft.com/office/drawing/2014/main" id="{9EAE75EA-08CB-6C4B-D588-04C443017209}"/>
               </a:ext>
             </a:extLst>
           </p:cNvPr>
@@ -1597,7 +1597,7 @@
           <p:cNvPr id="4" name="内容占位符 3">
             <a:extLst>
               <a:ext uri="{FF2B5EF4-FFF2-40B4-BE49-F238E27FC236}">
-                <a16:creationId xmlns:a16="http://schemas.microsoft.com/office/drawing/2014/main" id="{9E113149-D2EC-B6E6-28F8-33FD339684D7}"/>
+                <a16:creationId xmlns:a16="http://schemas.microsoft.com/office/drawing/2014/main" id="{D1E326B9-276B-1BF1-10BE-2E3F95C744DD}"/>
               </a:ext>
             </a:extLst>
           </p:cNvPr>
@@ -1659,7 +1659,7 @@
           <p:cNvPr id="5" name="文本占位符 4">
             <a:extLst>
               <a:ext uri="{FF2B5EF4-FFF2-40B4-BE49-F238E27FC236}">
-                <a16:creationId xmlns:a16="http://schemas.microsoft.com/office/drawing/2014/main" id="{5A271CE6-8492-2484-3B24-D367536223BF}"/>
+                <a16:creationId xmlns:a16="http://schemas.microsoft.com/office/drawing/2014/main" id="{BA5EDCB1-9265-4E9D-6E25-7DEDA7B0B96B}"/>
               </a:ext>
             </a:extLst>
           </p:cNvPr>
@@ -1730,7 +1730,7 @@
           <p:cNvPr id="6" name="内容占位符 5">
             <a:extLst>
               <a:ext uri="{FF2B5EF4-FFF2-40B4-BE49-F238E27FC236}">
-                <a16:creationId xmlns:a16="http://schemas.microsoft.com/office/drawing/2014/main" id="{65AF2D72-4622-2947-D5E7-2FDF9ED77BF8}"/>
+                <a16:creationId xmlns:a16="http://schemas.microsoft.com/office/drawing/2014/main" id="{76A5E699-BCC6-8806-93B1-0F7F93092198}"/>
               </a:ext>
             </a:extLst>
           </p:cNvPr>
@@ -1792,7 +1792,7 @@
           <p:cNvPr id="7" name="日期占位符 6">
             <a:extLst>
               <a:ext uri="{FF2B5EF4-FFF2-40B4-BE49-F238E27FC236}">
-                <a16:creationId xmlns:a16="http://schemas.microsoft.com/office/drawing/2014/main" id="{A2382146-486D-E359-9B2C-E656AC8AA8F9}"/>
+                <a16:creationId xmlns:a16="http://schemas.microsoft.com/office/drawing/2014/main" id="{FE3DDA11-71B3-9C0E-6642-FD97FC6B51A9}"/>
               </a:ext>
             </a:extLst>
           </p:cNvPr>
@@ -1808,7 +1808,7 @@
           <a:bodyPr/>
           <a:lstStyle/>
           <a:p>
-            <a:fld id="{01814D3E-B6E7-4F64-BD97-55C61DC18AFB}" type="datetimeFigureOut">
+            <a:fld id="{AC602071-64AD-4FA0-9E29-B791BB95654D}" type="datetimeFigureOut">
               <a:rPr lang="zh-CN" altLang="en-US" smtClean="0"/>
               <a:t>2024/3/10</a:t>
             </a:fld>
@@ -1821,7 +1821,7 @@
           <p:cNvPr id="8" name="页脚占位符 7">
             <a:extLst>
               <a:ext uri="{FF2B5EF4-FFF2-40B4-BE49-F238E27FC236}">
-                <a16:creationId xmlns:a16="http://schemas.microsoft.com/office/drawing/2014/main" id="{9F2D4802-C8BD-08EB-55DC-558A91D694B6}"/>
+                <a16:creationId xmlns:a16="http://schemas.microsoft.com/office/drawing/2014/main" id="{29418158-CCF8-936F-A531-8CF73B4BEAE8}"/>
               </a:ext>
             </a:extLst>
           </p:cNvPr>
@@ -1846,7 +1846,7 @@
           <p:cNvPr id="9" name="灯片编号占位符 8">
             <a:extLst>
               <a:ext uri="{FF2B5EF4-FFF2-40B4-BE49-F238E27FC236}">
-                <a16:creationId xmlns:a16="http://schemas.microsoft.com/office/drawing/2014/main" id="{4BC80FCE-2281-B14F-4EE7-AD51FCF7030B}"/>
+                <a16:creationId xmlns:a16="http://schemas.microsoft.com/office/drawing/2014/main" id="{952B7CB5-57E6-1964-0C64-885F02407358}"/>
               </a:ext>
             </a:extLst>
           </p:cNvPr>
@@ -1862,7 +1862,7 @@
           <a:bodyPr/>
           <a:lstStyle/>
           <a:p>
-            <a:fld id="{BD7D6AF4-1AF1-46A1-AAD6-38DD923C3C11}" type="slidenum">
+            <a:fld id="{10614D74-8F0B-4BD3-8B18-97674D2360FA}" type="slidenum">
               <a:rPr lang="zh-CN" altLang="en-US" smtClean="0"/>
               <a:t>‹#›</a:t>
             </a:fld>
@@ -1873,7 +1873,7 @@
     </p:spTree>
     <p:extLst>
       <p:ext uri="{BB962C8B-B14F-4D97-AF65-F5344CB8AC3E}">
-        <p14:creationId xmlns:p14="http://schemas.microsoft.com/office/powerpoint/2010/main" val="2749256229"/>
+        <p14:creationId xmlns:p14="http://schemas.microsoft.com/office/powerpoint/2010/main" val="3311802314"/>
       </p:ext>
     </p:extLst>
   </p:cSld>
@@ -1905,7 +1905,7 @@
           <p:cNvPr id="2" name="标题 1">
             <a:extLst>
               <a:ext uri="{FF2B5EF4-FFF2-40B4-BE49-F238E27FC236}">
-                <a16:creationId xmlns:a16="http://schemas.microsoft.com/office/drawing/2014/main" id="{A34C21ED-F6FC-45DC-7722-E4C3BFB40471}"/>
+                <a16:creationId xmlns:a16="http://schemas.microsoft.com/office/drawing/2014/main" id="{9BEC36D9-EFD8-D806-F07A-3C7173A03737}"/>
               </a:ext>
             </a:extLst>
           </p:cNvPr>
@@ -1933,7 +1933,7 @@
           <p:cNvPr id="3" name="日期占位符 2">
             <a:extLst>
               <a:ext uri="{FF2B5EF4-FFF2-40B4-BE49-F238E27FC236}">
-                <a16:creationId xmlns:a16="http://schemas.microsoft.com/office/drawing/2014/main" id="{E777204F-63F8-0E12-D9B8-752262C6EB1B}"/>
+                <a16:creationId xmlns:a16="http://schemas.microsoft.com/office/drawing/2014/main" id="{442D14AB-CE36-8C2E-15C1-5CAAE7438DC4}"/>
               </a:ext>
             </a:extLst>
           </p:cNvPr>
@@ -1949,7 +1949,7 @@
           <a:bodyPr/>
           <a:lstStyle/>
           <a:p>
-            <a:fld id="{01814D3E-B6E7-4F64-BD97-55C61DC18AFB}" type="datetimeFigureOut">
+            <a:fld id="{AC602071-64AD-4FA0-9E29-B791BB95654D}" type="datetimeFigureOut">
               <a:rPr lang="zh-CN" altLang="en-US" smtClean="0"/>
               <a:t>2024/3/10</a:t>
             </a:fld>
@@ -1962,7 +1962,7 @@
           <p:cNvPr id="4" name="页脚占位符 3">
             <a:extLst>
               <a:ext uri="{FF2B5EF4-FFF2-40B4-BE49-F238E27FC236}">
-                <a16:creationId xmlns:a16="http://schemas.microsoft.com/office/drawing/2014/main" id="{501CACE5-C90E-8E01-F5E2-70AE71FC9B90}"/>
+                <a16:creationId xmlns:a16="http://schemas.microsoft.com/office/drawing/2014/main" id="{3E08317B-15A5-FA60-7B21-3F24609AD60F}"/>
               </a:ext>
             </a:extLst>
           </p:cNvPr>
@@ -1987,7 +1987,7 @@
           <p:cNvPr id="5" name="灯片编号占位符 4">
             <a:extLst>
               <a:ext uri="{FF2B5EF4-FFF2-40B4-BE49-F238E27FC236}">
-                <a16:creationId xmlns:a16="http://schemas.microsoft.com/office/drawing/2014/main" id="{6A0FBDFC-848F-A028-ADDB-083CB1C58235}"/>
+                <a16:creationId xmlns:a16="http://schemas.microsoft.com/office/drawing/2014/main" id="{53D71A77-9C3D-8816-1483-ECA34C7E1F56}"/>
               </a:ext>
             </a:extLst>
           </p:cNvPr>
@@ -2003,7 +2003,7 @@
           <a:bodyPr/>
           <a:lstStyle/>
           <a:p>
-            <a:fld id="{BD7D6AF4-1AF1-46A1-AAD6-38DD923C3C11}" type="slidenum">
+            <a:fld id="{10614D74-8F0B-4BD3-8B18-97674D2360FA}" type="slidenum">
               <a:rPr lang="zh-CN" altLang="en-US" smtClean="0"/>
               <a:t>‹#›</a:t>
             </a:fld>
@@ -2014,7 +2014,7 @@
     </p:spTree>
     <p:extLst>
       <p:ext uri="{BB962C8B-B14F-4D97-AF65-F5344CB8AC3E}">
-        <p14:creationId xmlns:p14="http://schemas.microsoft.com/office/powerpoint/2010/main" val="2241303410"/>
+        <p14:creationId xmlns:p14="http://schemas.microsoft.com/office/powerpoint/2010/main" val="465199321"/>
       </p:ext>
     </p:extLst>
   </p:cSld>
@@ -2046,7 +2046,7 @@
           <p:cNvPr id="2" name="日期占位符 1">
             <a:extLst>
               <a:ext uri="{FF2B5EF4-FFF2-40B4-BE49-F238E27FC236}">
-                <a16:creationId xmlns:a16="http://schemas.microsoft.com/office/drawing/2014/main" id="{925DC63E-35D4-BB6C-26AD-69C69FD27147}"/>
+                <a16:creationId xmlns:a16="http://schemas.microsoft.com/office/drawing/2014/main" id="{4EA4FF54-4057-6FB1-61F9-4C7E920F16CC}"/>
               </a:ext>
             </a:extLst>
           </p:cNvPr>
@@ -2062,7 +2062,7 @@
           <a:bodyPr/>
           <a:lstStyle/>
           <a:p>
-            <a:fld id="{01814D3E-B6E7-4F64-BD97-55C61DC18AFB}" type="datetimeFigureOut">
+            <a:fld id="{AC602071-64AD-4FA0-9E29-B791BB95654D}" type="datetimeFigureOut">
               <a:rPr lang="zh-CN" altLang="en-US" smtClean="0"/>
               <a:t>2024/3/10</a:t>
             </a:fld>
@@ -2075,7 +2075,7 @@
           <p:cNvPr id="3" name="页脚占位符 2">
             <a:extLst>
               <a:ext uri="{FF2B5EF4-FFF2-40B4-BE49-F238E27FC236}">
-                <a16:creationId xmlns:a16="http://schemas.microsoft.com/office/drawing/2014/main" id="{D39A9DD4-0B8D-E843-8274-F2836077830E}"/>
+                <a16:creationId xmlns:a16="http://schemas.microsoft.com/office/drawing/2014/main" id="{9E9F67D4-D323-68A2-D2B2-2D759A15DB03}"/>
               </a:ext>
             </a:extLst>
           </p:cNvPr>
@@ -2100,7 +2100,7 @@
           <p:cNvPr id="4" name="灯片编号占位符 3">
             <a:extLst>
               <a:ext uri="{FF2B5EF4-FFF2-40B4-BE49-F238E27FC236}">
-                <a16:creationId xmlns:a16="http://schemas.microsoft.com/office/drawing/2014/main" id="{B5309DF2-AACC-42D9-B91E-14B33071F698}"/>
+                <a16:creationId xmlns:a16="http://schemas.microsoft.com/office/drawing/2014/main" id="{01D910BB-5A82-AE26-398A-0A65576A241F}"/>
               </a:ext>
             </a:extLst>
           </p:cNvPr>
@@ -2116,7 +2116,7 @@
           <a:bodyPr/>
           <a:lstStyle/>
           <a:p>
-            <a:fld id="{BD7D6AF4-1AF1-46A1-AAD6-38DD923C3C11}" type="slidenum">
+            <a:fld id="{10614D74-8F0B-4BD3-8B18-97674D2360FA}" type="slidenum">
               <a:rPr lang="zh-CN" altLang="en-US" smtClean="0"/>
               <a:t>‹#›</a:t>
             </a:fld>
@@ -2127,7 +2127,7 @@
     </p:spTree>
     <p:extLst>
       <p:ext uri="{BB962C8B-B14F-4D97-AF65-F5344CB8AC3E}">
-        <p14:creationId xmlns:p14="http://schemas.microsoft.com/office/powerpoint/2010/main" val="2463465409"/>
+        <p14:creationId xmlns:p14="http://schemas.microsoft.com/office/powerpoint/2010/main" val="2817898098"/>
       </p:ext>
     </p:extLst>
   </p:cSld>
@@ -2159,7 +2159,7 @@
           <p:cNvPr id="2" name="标题 1">
             <a:extLst>
               <a:ext uri="{FF2B5EF4-FFF2-40B4-BE49-F238E27FC236}">
-                <a16:creationId xmlns:a16="http://schemas.microsoft.com/office/drawing/2014/main" id="{D7D17619-DB24-15F2-6DFA-639CC039B846}"/>
+                <a16:creationId xmlns:a16="http://schemas.microsoft.com/office/drawing/2014/main" id="{6676188F-D9E9-CD3C-C286-AA3AAD9F9B8E}"/>
               </a:ext>
             </a:extLst>
           </p:cNvPr>
@@ -2196,7 +2196,7 @@
           <p:cNvPr id="3" name="内容占位符 2">
             <a:extLst>
               <a:ext uri="{FF2B5EF4-FFF2-40B4-BE49-F238E27FC236}">
-                <a16:creationId xmlns:a16="http://schemas.microsoft.com/office/drawing/2014/main" id="{BD935AA4-9F5D-47D5-4EAF-0A663B1BB4B9}"/>
+                <a16:creationId xmlns:a16="http://schemas.microsoft.com/office/drawing/2014/main" id="{B76FB29A-9A51-5D9B-C22D-1F0480914C2F}"/>
               </a:ext>
             </a:extLst>
           </p:cNvPr>
@@ -2286,7 +2286,7 @@
           <p:cNvPr id="4" name="文本占位符 3">
             <a:extLst>
               <a:ext uri="{FF2B5EF4-FFF2-40B4-BE49-F238E27FC236}">
-                <a16:creationId xmlns:a16="http://schemas.microsoft.com/office/drawing/2014/main" id="{32EBC543-FE0A-B403-12FD-CB22BE06660C}"/>
+                <a16:creationId xmlns:a16="http://schemas.microsoft.com/office/drawing/2014/main" id="{93277CB0-A454-77B6-A6C2-B864CAC9DC92}"/>
               </a:ext>
             </a:extLst>
           </p:cNvPr>
@@ -2357,7 +2357,7 @@
           <p:cNvPr id="5" name="日期占位符 4">
             <a:extLst>
               <a:ext uri="{FF2B5EF4-FFF2-40B4-BE49-F238E27FC236}">
-                <a16:creationId xmlns:a16="http://schemas.microsoft.com/office/drawing/2014/main" id="{BC04507B-EE82-2FCD-3C9C-04595BCC6502}"/>
+                <a16:creationId xmlns:a16="http://schemas.microsoft.com/office/drawing/2014/main" id="{2083D1B0-CFBC-EFC1-A277-048784A68D0C}"/>
               </a:ext>
             </a:extLst>
           </p:cNvPr>
@@ -2373,7 +2373,7 @@
           <a:bodyPr/>
           <a:lstStyle/>
           <a:p>
-            <a:fld id="{01814D3E-B6E7-4F64-BD97-55C61DC18AFB}" type="datetimeFigureOut">
+            <a:fld id="{AC602071-64AD-4FA0-9E29-B791BB95654D}" type="datetimeFigureOut">
               <a:rPr lang="zh-CN" altLang="en-US" smtClean="0"/>
               <a:t>2024/3/10</a:t>
             </a:fld>
@@ -2386,7 +2386,7 @@
           <p:cNvPr id="6" name="页脚占位符 5">
             <a:extLst>
               <a:ext uri="{FF2B5EF4-FFF2-40B4-BE49-F238E27FC236}">
-                <a16:creationId xmlns:a16="http://schemas.microsoft.com/office/drawing/2014/main" id="{1E8A80EB-E149-3A07-BEF1-DBDADD4ED5AD}"/>
+                <a16:creationId xmlns:a16="http://schemas.microsoft.com/office/drawing/2014/main" id="{AA77DFD0-A991-04D6-D4CD-39BF356F21FA}"/>
               </a:ext>
             </a:extLst>
           </p:cNvPr>
@@ -2411,7 +2411,7 @@
           <p:cNvPr id="7" name="灯片编号占位符 6">
             <a:extLst>
               <a:ext uri="{FF2B5EF4-FFF2-40B4-BE49-F238E27FC236}">
-                <a16:creationId xmlns:a16="http://schemas.microsoft.com/office/drawing/2014/main" id="{0753728C-9F45-47B7-28E7-3AC0C7FBC8C3}"/>
+                <a16:creationId xmlns:a16="http://schemas.microsoft.com/office/drawing/2014/main" id="{72BA778C-5BF2-8612-6010-2577C2F99E8D}"/>
               </a:ext>
             </a:extLst>
           </p:cNvPr>
@@ -2427,7 +2427,7 @@
           <a:bodyPr/>
           <a:lstStyle/>
           <a:p>
-            <a:fld id="{BD7D6AF4-1AF1-46A1-AAD6-38DD923C3C11}" type="slidenum">
+            <a:fld id="{10614D74-8F0B-4BD3-8B18-97674D2360FA}" type="slidenum">
               <a:rPr lang="zh-CN" altLang="en-US" smtClean="0"/>
               <a:t>‹#›</a:t>
             </a:fld>
@@ -2438,7 +2438,7 @@
     </p:spTree>
     <p:extLst>
       <p:ext uri="{BB962C8B-B14F-4D97-AF65-F5344CB8AC3E}">
-        <p14:creationId xmlns:p14="http://schemas.microsoft.com/office/powerpoint/2010/main" val="2631666671"/>
+        <p14:creationId xmlns:p14="http://schemas.microsoft.com/office/powerpoint/2010/main" val="256441298"/>
       </p:ext>
     </p:extLst>
   </p:cSld>
@@ -2470,7 +2470,7 @@
           <p:cNvPr id="2" name="标题 1">
             <a:extLst>
               <a:ext uri="{FF2B5EF4-FFF2-40B4-BE49-F238E27FC236}">
-                <a16:creationId xmlns:a16="http://schemas.microsoft.com/office/drawing/2014/main" id="{25E487C9-1D03-01EA-9C54-F7A008BBED73}"/>
+                <a16:creationId xmlns:a16="http://schemas.microsoft.com/office/drawing/2014/main" id="{0C4014C1-B980-AE53-DEEF-0D2B094AE8F5}"/>
               </a:ext>
             </a:extLst>
           </p:cNvPr>
@@ -2507,7 +2507,7 @@
           <p:cNvPr id="3" name="图片占位符 2">
             <a:extLst>
               <a:ext uri="{FF2B5EF4-FFF2-40B4-BE49-F238E27FC236}">
-                <a16:creationId xmlns:a16="http://schemas.microsoft.com/office/drawing/2014/main" id="{57F395C8-F068-9001-47DA-460D9EABD0C1}"/>
+                <a16:creationId xmlns:a16="http://schemas.microsoft.com/office/drawing/2014/main" id="{8A3A7845-73E9-DBE0-139D-E66D8BEDB3F4}"/>
               </a:ext>
             </a:extLst>
           </p:cNvPr>
@@ -2574,7 +2574,7 @@
           <p:cNvPr id="4" name="文本占位符 3">
             <a:extLst>
               <a:ext uri="{FF2B5EF4-FFF2-40B4-BE49-F238E27FC236}">
-                <a16:creationId xmlns:a16="http://schemas.microsoft.com/office/drawing/2014/main" id="{3C31C91D-4898-BC32-D069-45C095083496}"/>
+                <a16:creationId xmlns:a16="http://schemas.microsoft.com/office/drawing/2014/main" id="{949D3DE5-F1AA-CF67-073E-81CE711807D7}"/>
               </a:ext>
             </a:extLst>
           </p:cNvPr>
@@ -2645,7 +2645,7 @@
           <p:cNvPr id="5" name="日期占位符 4">
             <a:extLst>
               <a:ext uri="{FF2B5EF4-FFF2-40B4-BE49-F238E27FC236}">
-                <a16:creationId xmlns:a16="http://schemas.microsoft.com/office/drawing/2014/main" id="{262B09D1-BFE1-C42E-2EA5-6CA67465940D}"/>
+                <a16:creationId xmlns:a16="http://schemas.microsoft.com/office/drawing/2014/main" id="{A8D98120-A9BF-FBC4-325E-234D8F59B0B0}"/>
               </a:ext>
             </a:extLst>
           </p:cNvPr>
@@ -2661,7 +2661,7 @@
           <a:bodyPr/>
           <a:lstStyle/>
           <a:p>
-            <a:fld id="{01814D3E-B6E7-4F64-BD97-55C61DC18AFB}" type="datetimeFigureOut">
+            <a:fld id="{AC602071-64AD-4FA0-9E29-B791BB95654D}" type="datetimeFigureOut">
               <a:rPr lang="zh-CN" altLang="en-US" smtClean="0"/>
               <a:t>2024/3/10</a:t>
             </a:fld>
@@ -2674,7 +2674,7 @@
           <p:cNvPr id="6" name="页脚占位符 5">
             <a:extLst>
               <a:ext uri="{FF2B5EF4-FFF2-40B4-BE49-F238E27FC236}">
-                <a16:creationId xmlns:a16="http://schemas.microsoft.com/office/drawing/2014/main" id="{2D396E89-4273-82E9-8694-BCA8879758AC}"/>
+                <a16:creationId xmlns:a16="http://schemas.microsoft.com/office/drawing/2014/main" id="{B56B5F2D-BE58-47C8-2F94-55BFAF7F3238}"/>
               </a:ext>
             </a:extLst>
           </p:cNvPr>
@@ -2699,7 +2699,7 @@
           <p:cNvPr id="7" name="灯片编号占位符 6">
             <a:extLst>
               <a:ext uri="{FF2B5EF4-FFF2-40B4-BE49-F238E27FC236}">
-                <a16:creationId xmlns:a16="http://schemas.microsoft.com/office/drawing/2014/main" id="{98549645-678D-E45A-5F51-B997C9D8AF00}"/>
+                <a16:creationId xmlns:a16="http://schemas.microsoft.com/office/drawing/2014/main" id="{1AF639A9-2A19-44FC-59E8-33644CE1102D}"/>
               </a:ext>
             </a:extLst>
           </p:cNvPr>
@@ -2715,7 +2715,7 @@
           <a:bodyPr/>
           <a:lstStyle/>
           <a:p>
-            <a:fld id="{BD7D6AF4-1AF1-46A1-AAD6-38DD923C3C11}" type="slidenum">
+            <a:fld id="{10614D74-8F0B-4BD3-8B18-97674D2360FA}" type="slidenum">
               <a:rPr lang="zh-CN" altLang="en-US" smtClean="0"/>
               <a:t>‹#›</a:t>
             </a:fld>
@@ -2726,7 +2726,7 @@
     </p:spTree>
     <p:extLst>
       <p:ext uri="{BB962C8B-B14F-4D97-AF65-F5344CB8AC3E}">
-        <p14:creationId xmlns:p14="http://schemas.microsoft.com/office/powerpoint/2010/main" val="3214701693"/>
+        <p14:creationId xmlns:p14="http://schemas.microsoft.com/office/powerpoint/2010/main" val="1984336299"/>
       </p:ext>
     </p:extLst>
   </p:cSld>
@@ -2763,7 +2763,7 @@
           <p:cNvPr id="2" name="标题占位符 1">
             <a:extLst>
               <a:ext uri="{FF2B5EF4-FFF2-40B4-BE49-F238E27FC236}">
-                <a16:creationId xmlns:a16="http://schemas.microsoft.com/office/drawing/2014/main" id="{BD32A451-C8D7-90AC-6CB8-FF741096A52C}"/>
+                <a16:creationId xmlns:a16="http://schemas.microsoft.com/office/drawing/2014/main" id="{BAE6CA04-636A-10FC-408A-00716115D0ED}"/>
               </a:ext>
             </a:extLst>
           </p:cNvPr>
@@ -2801,7 +2801,7 @@
           <p:cNvPr id="3" name="文本占位符 2">
             <a:extLst>
               <a:ext uri="{FF2B5EF4-FFF2-40B4-BE49-F238E27FC236}">
-                <a16:creationId xmlns:a16="http://schemas.microsoft.com/office/drawing/2014/main" id="{0C6F2EFB-9850-37E5-DEC7-1170011E7287}"/>
+                <a16:creationId xmlns:a16="http://schemas.microsoft.com/office/drawing/2014/main" id="{95FD7C19-1B8B-CA49-42AE-6035E11C0FDD}"/>
               </a:ext>
             </a:extLst>
           </p:cNvPr>
@@ -2868,7 +2868,7 @@
           <p:cNvPr id="4" name="日期占位符 3">
             <a:extLst>
               <a:ext uri="{FF2B5EF4-FFF2-40B4-BE49-F238E27FC236}">
-                <a16:creationId xmlns:a16="http://schemas.microsoft.com/office/drawing/2014/main" id="{2DB302F0-50AE-DE97-5D3A-638A15B4AB00}"/>
+                <a16:creationId xmlns:a16="http://schemas.microsoft.com/office/drawing/2014/main" id="{9005730E-C0EE-8DEF-8645-E35D781E244E}"/>
               </a:ext>
             </a:extLst>
           </p:cNvPr>
@@ -2902,7 +2902,7 @@
             </a:lvl1pPr>
           </a:lstStyle>
           <a:p>
-            <a:fld id="{01814D3E-B6E7-4F64-BD97-55C61DC18AFB}" type="datetimeFigureOut">
+            <a:fld id="{AC602071-64AD-4FA0-9E29-B791BB95654D}" type="datetimeFigureOut">
               <a:rPr lang="zh-CN" altLang="en-US" smtClean="0"/>
               <a:t>2024/3/10</a:t>
             </a:fld>
@@ -2915,7 +2915,7 @@
           <p:cNvPr id="5" name="页脚占位符 4">
             <a:extLst>
               <a:ext uri="{FF2B5EF4-FFF2-40B4-BE49-F238E27FC236}">
-                <a16:creationId xmlns:a16="http://schemas.microsoft.com/office/drawing/2014/main" id="{C5BCA557-AC27-CBEC-98E1-65C6E84EA7B9}"/>
+                <a16:creationId xmlns:a16="http://schemas.microsoft.com/office/drawing/2014/main" id="{01C7530F-D5DC-5F5B-E590-2EE52427BF42}"/>
               </a:ext>
             </a:extLst>
           </p:cNvPr>
@@ -2958,7 +2958,7 @@
           <p:cNvPr id="6" name="灯片编号占位符 5">
             <a:extLst>
               <a:ext uri="{FF2B5EF4-FFF2-40B4-BE49-F238E27FC236}">
-                <a16:creationId xmlns:a16="http://schemas.microsoft.com/office/drawing/2014/main" id="{030D901D-64E1-5C75-B6BA-EBD6393F8248}"/>
+                <a16:creationId xmlns:a16="http://schemas.microsoft.com/office/drawing/2014/main" id="{97FE2151-5529-24AC-84A8-8C904CF16B6C}"/>
               </a:ext>
             </a:extLst>
           </p:cNvPr>
@@ -2992,7 +2992,7 @@
             </a:lvl1pPr>
           </a:lstStyle>
           <a:p>
-            <a:fld id="{BD7D6AF4-1AF1-46A1-AAD6-38DD923C3C11}" type="slidenum">
+            <a:fld id="{10614D74-8F0B-4BD3-8B18-97674D2360FA}" type="slidenum">
               <a:rPr lang="zh-CN" altLang="en-US" smtClean="0"/>
               <a:t>‹#›</a:t>
             </a:fld>
@@ -3003,7 +3003,7 @@
     </p:spTree>
     <p:extLst>
       <p:ext uri="{BB962C8B-B14F-4D97-AF65-F5344CB8AC3E}">
-        <p14:creationId xmlns:p14="http://schemas.microsoft.com/office/powerpoint/2010/main" val="2067365830"/>
+        <p14:creationId xmlns:p14="http://schemas.microsoft.com/office/powerpoint/2010/main" val="3898910002"/>
       </p:ext>
     </p:extLst>
   </p:cSld>
@@ -3323,7 +3323,7 @@
       </p:grpSpPr>
       <p:pic>
         <p:nvPicPr>
-          <p:cNvPr id="1497090" name="Picture 2" descr="1461"/>
+          <p:cNvPr id="1498114" name="Picture 2" descr="1462"/>
           <p:cNvPicPr>
             <a:picLocks noChangeAspect="1" noChangeArrowheads="1"/>
           </p:cNvPicPr>
@@ -3344,8 +3344,8 @@
         </p:blipFill>
         <p:spPr bwMode="auto">
           <a:xfrm>
-            <a:off x="1524000" y="0"/>
-            <a:ext cx="9144000" cy="4941888"/>
+            <a:off x="1524000" y="1"/>
+            <a:ext cx="9144000" cy="6238875"/>
           </a:xfrm>
           <a:prstGeom prst="rect">
             <a:avLst/>
